--- a/docs/media/cheat-sheet-latency.pptx
+++ b/docs/media/cheat-sheet-latency.pptx
@@ -3282,15 +3282,47 @@
                 <a:latin typeface="Source Sans Pro" panose="020B0503030403020204" pitchFamily="34" charset="0"/>
                 <a:ea typeface="Source Sans Pro" panose="020B0503030403020204" pitchFamily="34" charset="0"/>
               </a:rPr>
-              <a:t>strategy injects delay</a:t>
-            </a:r>
-            <a:r>
-              <a:rPr lang="en-GB" sz="1600" b="0" dirty="0">
+              <a:t>strategy </a:t>
+            </a:r>
+            <a:r>
+              <a:rPr lang="en-GB" sz="1600">
                 <a:effectLst/>
                 <a:latin typeface="Source Sans Pro" panose="020B0503030403020204" pitchFamily="34" charset="0"/>
                 <a:ea typeface="Source Sans Pro" panose="020B0503030403020204" pitchFamily="34" charset="0"/>
               </a:rPr>
-              <a:t> to simulate slow network, long processing.</a:t>
+              <a:t>injects a delay</a:t>
+            </a:r>
+            <a:r>
+              <a:rPr lang="en-GB" sz="1600" b="0">
+                <a:effectLst/>
+                <a:latin typeface="Source Sans Pro" panose="020B0503030403020204" pitchFamily="34" charset="0"/>
+                <a:ea typeface="Source Sans Pro" panose="020B0503030403020204" pitchFamily="34" charset="0"/>
+              </a:rPr>
+              <a:t> </a:t>
+            </a:r>
+            <a:r>
+              <a:rPr lang="en-GB" sz="1600" b="0" dirty="0">
+                <a:effectLst/>
+                <a:latin typeface="Source Sans Pro" panose="020B0503030403020204" pitchFamily="34" charset="0"/>
+                <a:ea typeface="Source Sans Pro" panose="020B0503030403020204" pitchFamily="34" charset="0"/>
+              </a:rPr>
+              <a:t>to simulate </a:t>
+            </a:r>
+            <a:r>
+              <a:rPr lang="en-GB" sz="1600" b="0">
+                <a:effectLst/>
+                <a:latin typeface="Source Sans Pro" panose="020B0503030403020204" pitchFamily="34" charset="0"/>
+                <a:ea typeface="Source Sans Pro" panose="020B0503030403020204" pitchFamily="34" charset="0"/>
+              </a:rPr>
+              <a:t>slow network or </a:t>
+            </a:r>
+            <a:r>
+              <a:rPr lang="en-GB" sz="1600" b="0" dirty="0">
+                <a:effectLst/>
+                <a:latin typeface="Source Sans Pro" panose="020B0503030403020204" pitchFamily="34" charset="0"/>
+                <a:ea typeface="Source Sans Pro" panose="020B0503030403020204" pitchFamily="34" charset="0"/>
+              </a:rPr>
+              <a:t>long processing.</a:t>
             </a:r>
           </a:p>
           <a:p>
